--- a/Projekt1/Adam_Kierat_Arkadiusz_Kałuża_Modul1_prezentacja.pptx
+++ b/Projekt1/Adam_Kierat_Arkadiusz_Kałuża_Modul1_prezentacja.pptx
@@ -237,7 +237,7 @@
           <a:p>
             <a:fld id="{2B85766F-5EC0-4797-B4D1-777FCB005B11}" type="datetimeFigureOut">
               <a:rPr lang="en-US" smtClean="0"/>
-              <a:t>6/18/2020</a:t>
+              <a:t>6/22/2020</a:t>
             </a:fld>
             <a:endParaRPr lang="en-US" dirty="0"/>
           </a:p>
@@ -414,7 +414,7 @@
           <a:p>
             <a:fld id="{B2B4B5EC-152C-4627-80C0-63B10D5574EF}" type="datetimeFigureOut">
               <a:rPr lang="en-US" smtClean="0"/>
-              <a:t>6/18/2020</a:t>
+              <a:t>6/22/2020</a:t>
             </a:fld>
             <a:endParaRPr lang="en-US" dirty="0"/>
           </a:p>
@@ -738,7 +738,7 @@
           <a:noFill/>
           <a:extLst>
             <a:ext uri="{909E8E84-426E-40dd-AFC4-6F175D3DCCD1}">
-              <a14:hiddenFill xmlns="" xmlns:a14="http://schemas.microsoft.com/office/drawing/2010/main">
+              <a14:hiddenFill xmlns:a14="http://schemas.microsoft.com/office/drawing/2010/main" xmlns="">
                 <a:solidFill>
                   <a:srgbClr val="FFFFFF"/>
                 </a:solidFill>
@@ -797,7 +797,7 @@
             </a:ln>
             <a:extLst>
               <a:ext uri="{91240B29-F687-4f45-9708-019B960494DF}">
-                <a14:hiddenLine xmlns="" xmlns:a14="http://schemas.microsoft.com/office/drawing/2010/main" w="9525">
+                <a14:hiddenLine xmlns:a14="http://schemas.microsoft.com/office/drawing/2010/main" xmlns="" w="9525">
                   <a:solidFill>
                     <a:srgbClr val="000000"/>
                   </a:solidFill>
@@ -887,7 +887,7 @@
             </a:ln>
             <a:extLst>
               <a:ext uri="{91240B29-F687-4f45-9708-019B960494DF}">
-                <a14:hiddenLine xmlns="" xmlns:a14="http://schemas.microsoft.com/office/drawing/2010/main" w="9525">
+                <a14:hiddenLine xmlns:a14="http://schemas.microsoft.com/office/drawing/2010/main" xmlns="" w="9525">
                   <a:solidFill>
                     <a:srgbClr val="000000"/>
                   </a:solidFill>
@@ -977,7 +977,7 @@
             </a:ln>
             <a:extLst>
               <a:ext uri="{91240B29-F687-4f45-9708-019B960494DF}">
-                <a14:hiddenLine xmlns="" xmlns:a14="http://schemas.microsoft.com/office/drawing/2010/main" w="9525">
+                <a14:hiddenLine xmlns:a14="http://schemas.microsoft.com/office/drawing/2010/main" xmlns="" w="9525">
                   <a:solidFill>
                     <a:srgbClr val="000000"/>
                   </a:solidFill>
@@ -1011,7 +1011,7 @@
             </a:ln>
             <a:extLst>
               <a:ext uri="{91240B29-F687-4f45-9708-019B960494DF}">
-                <a14:hiddenLine xmlns="" xmlns:a14="http://schemas.microsoft.com/office/drawing/2010/main" w="9525">
+                <a14:hiddenLine xmlns:a14="http://schemas.microsoft.com/office/drawing/2010/main" xmlns="" w="9525">
                   <a:solidFill>
                     <a:srgbClr val="000000"/>
                   </a:solidFill>
@@ -1101,7 +1101,7 @@
             </a:ln>
             <a:extLst>
               <a:ext uri="{91240B29-F687-4f45-9708-019B960494DF}">
-                <a14:hiddenLine xmlns="" xmlns:a14="http://schemas.microsoft.com/office/drawing/2010/main" w="9525">
+                <a14:hiddenLine xmlns:a14="http://schemas.microsoft.com/office/drawing/2010/main" xmlns="" w="9525">
                   <a:solidFill>
                     <a:srgbClr val="000000"/>
                   </a:solidFill>
@@ -1163,7 +1163,7 @@
             </a:ln>
             <a:extLst>
               <a:ext uri="{91240B29-F687-4f45-9708-019B960494DF}">
-                <a14:hiddenLine xmlns="" xmlns:a14="http://schemas.microsoft.com/office/drawing/2010/main" w="9525">
+                <a14:hiddenLine xmlns:a14="http://schemas.microsoft.com/office/drawing/2010/main" xmlns="" w="9525">
                   <a:solidFill>
                     <a:srgbClr val="000000"/>
                   </a:solidFill>
@@ -1225,7 +1225,7 @@
             </a:ln>
             <a:extLst>
               <a:ext uri="{91240B29-F687-4f45-9708-019B960494DF}">
-                <a14:hiddenLine xmlns="" xmlns:a14="http://schemas.microsoft.com/office/drawing/2010/main" w="9525">
+                <a14:hiddenLine xmlns:a14="http://schemas.microsoft.com/office/drawing/2010/main" xmlns="" w="9525">
                   <a:solidFill>
                     <a:srgbClr val="000000"/>
                   </a:solidFill>
@@ -1315,7 +1315,7 @@
             </a:ln>
             <a:extLst>
               <a:ext uri="{91240B29-F687-4f45-9708-019B960494DF}">
-                <a14:hiddenLine xmlns="" xmlns:a14="http://schemas.microsoft.com/office/drawing/2010/main" w="9525">
+                <a14:hiddenLine xmlns:a14="http://schemas.microsoft.com/office/drawing/2010/main" xmlns="" w="9525">
                   <a:solidFill>
                     <a:srgbClr val="000000"/>
                   </a:solidFill>
@@ -1377,7 +1377,7 @@
             </a:ln>
             <a:extLst>
               <a:ext uri="{91240B29-F687-4f45-9708-019B960494DF}">
-                <a14:hiddenLine xmlns="" xmlns:a14="http://schemas.microsoft.com/office/drawing/2010/main" w="9525">
+                <a14:hiddenLine xmlns:a14="http://schemas.microsoft.com/office/drawing/2010/main" xmlns="" w="9525">
                   <a:solidFill>
                     <a:srgbClr val="000000"/>
                   </a:solidFill>
@@ -1439,7 +1439,7 @@
             </a:ln>
             <a:extLst>
               <a:ext uri="{91240B29-F687-4f45-9708-019B960494DF}">
-                <a14:hiddenLine xmlns="" xmlns:a14="http://schemas.microsoft.com/office/drawing/2010/main" w="9525">
+                <a14:hiddenLine xmlns:a14="http://schemas.microsoft.com/office/drawing/2010/main" xmlns="" w="9525">
                   <a:solidFill>
                     <a:srgbClr val="000000"/>
                   </a:solidFill>
@@ -1529,7 +1529,7 @@
             </a:ln>
             <a:extLst>
               <a:ext uri="{91240B29-F687-4f45-9708-019B960494DF}">
-                <a14:hiddenLine xmlns="" xmlns:a14="http://schemas.microsoft.com/office/drawing/2010/main" w="9525">
+                <a14:hiddenLine xmlns:a14="http://schemas.microsoft.com/office/drawing/2010/main" xmlns="" w="9525">
                   <a:solidFill>
                     <a:srgbClr val="000000"/>
                   </a:solidFill>
@@ -1619,7 +1619,7 @@
             </a:ln>
             <a:extLst>
               <a:ext uri="{91240B29-F687-4f45-9708-019B960494DF}">
-                <a14:hiddenLine xmlns="" xmlns:a14="http://schemas.microsoft.com/office/drawing/2010/main" w="9525">
+                <a14:hiddenLine xmlns:a14="http://schemas.microsoft.com/office/drawing/2010/main" xmlns="" w="9525">
                   <a:solidFill>
                     <a:srgbClr val="000000"/>
                   </a:solidFill>
@@ -1681,7 +1681,7 @@
             </a:ln>
             <a:extLst>
               <a:ext uri="{91240B29-F687-4f45-9708-019B960494DF}">
-                <a14:hiddenLine xmlns="" xmlns:a14="http://schemas.microsoft.com/office/drawing/2010/main" w="9525">
+                <a14:hiddenLine xmlns:a14="http://schemas.microsoft.com/office/drawing/2010/main" xmlns="" w="9525">
                   <a:solidFill>
                     <a:srgbClr val="000000"/>
                   </a:solidFill>
@@ -1791,7 +1791,7 @@
             </a:ln>
             <a:extLst>
               <a:ext uri="{91240B29-F687-4f45-9708-019B960494DF}">
-                <a14:hiddenLine xmlns="" xmlns:a14="http://schemas.microsoft.com/office/drawing/2010/main" w="9525">
+                <a14:hiddenLine xmlns:a14="http://schemas.microsoft.com/office/drawing/2010/main" xmlns="" w="9525">
                   <a:solidFill>
                     <a:srgbClr val="000000"/>
                   </a:solidFill>
@@ -1853,7 +1853,7 @@
             </a:ln>
             <a:extLst>
               <a:ext uri="{91240B29-F687-4f45-9708-019B960494DF}">
-                <a14:hiddenLine xmlns="" xmlns:a14="http://schemas.microsoft.com/office/drawing/2010/main" w="9525">
+                <a14:hiddenLine xmlns:a14="http://schemas.microsoft.com/office/drawing/2010/main" xmlns="" w="9525">
                   <a:solidFill>
                     <a:srgbClr val="000000"/>
                   </a:solidFill>
@@ -1943,7 +1943,7 @@
             </a:ln>
             <a:extLst>
               <a:ext uri="{91240B29-F687-4f45-9708-019B960494DF}">
-                <a14:hiddenLine xmlns="" xmlns:a14="http://schemas.microsoft.com/office/drawing/2010/main" w="9525">
+                <a14:hiddenLine xmlns:a14="http://schemas.microsoft.com/office/drawing/2010/main" xmlns="" w="9525">
                   <a:solidFill>
                     <a:srgbClr val="000000"/>
                   </a:solidFill>
@@ -2033,7 +2033,7 @@
             </a:ln>
             <a:extLst>
               <a:ext uri="{91240B29-F687-4f45-9708-019B960494DF}">
-                <a14:hiddenLine xmlns="" xmlns:a14="http://schemas.microsoft.com/office/drawing/2010/main" w="9525">
+                <a14:hiddenLine xmlns:a14="http://schemas.microsoft.com/office/drawing/2010/main" xmlns="" w="9525">
                   <a:solidFill>
                     <a:srgbClr val="000000"/>
                   </a:solidFill>
@@ -2095,7 +2095,7 @@
             </a:ln>
             <a:extLst>
               <a:ext uri="{91240B29-F687-4f45-9708-019B960494DF}">
-                <a14:hiddenLine xmlns="" xmlns:a14="http://schemas.microsoft.com/office/drawing/2010/main" w="9525">
+                <a14:hiddenLine xmlns:a14="http://schemas.microsoft.com/office/drawing/2010/main" xmlns="" w="9525">
                   <a:solidFill>
                     <a:srgbClr val="000000"/>
                   </a:solidFill>
@@ -2185,7 +2185,7 @@
             </a:ln>
             <a:extLst>
               <a:ext uri="{91240B29-F687-4f45-9708-019B960494DF}">
-                <a14:hiddenLine xmlns="" xmlns:a14="http://schemas.microsoft.com/office/drawing/2010/main" w="9525">
+                <a14:hiddenLine xmlns:a14="http://schemas.microsoft.com/office/drawing/2010/main" xmlns="" w="9525">
                   <a:solidFill>
                     <a:srgbClr val="000000"/>
                   </a:solidFill>
@@ -2275,7 +2275,7 @@
             </a:ln>
             <a:extLst>
               <a:ext uri="{91240B29-F687-4f45-9708-019B960494DF}">
-                <a14:hiddenLine xmlns="" xmlns:a14="http://schemas.microsoft.com/office/drawing/2010/main" w="9525">
+                <a14:hiddenLine xmlns:a14="http://schemas.microsoft.com/office/drawing/2010/main" xmlns="" w="9525">
                   <a:solidFill>
                     <a:srgbClr val="000000"/>
                   </a:solidFill>
@@ -2331,7 +2331,7 @@
             </a:ln>
             <a:extLst>
               <a:ext uri="{91240B29-F687-4f45-9708-019B960494DF}">
-                <a14:hiddenLine xmlns="" xmlns:a14="http://schemas.microsoft.com/office/drawing/2010/main" w="9525">
+                <a14:hiddenLine xmlns:a14="http://schemas.microsoft.com/office/drawing/2010/main" xmlns="" w="9525">
                   <a:solidFill>
                     <a:srgbClr val="000000"/>
                   </a:solidFill>
@@ -2421,7 +2421,7 @@
             </a:ln>
             <a:extLst>
               <a:ext uri="{91240B29-F687-4f45-9708-019B960494DF}">
-                <a14:hiddenLine xmlns="" xmlns:a14="http://schemas.microsoft.com/office/drawing/2010/main" w="9525">
+                <a14:hiddenLine xmlns:a14="http://schemas.microsoft.com/office/drawing/2010/main" xmlns="" w="9525">
                   <a:solidFill>
                     <a:srgbClr val="000000"/>
                   </a:solidFill>
@@ -2477,7 +2477,7 @@
             </a:ln>
             <a:extLst>
               <a:ext uri="{91240B29-F687-4f45-9708-019B960494DF}">
-                <a14:hiddenLine xmlns="" xmlns:a14="http://schemas.microsoft.com/office/drawing/2010/main" w="9525">
+                <a14:hiddenLine xmlns:a14="http://schemas.microsoft.com/office/drawing/2010/main" xmlns="" w="9525">
                   <a:solidFill>
                     <a:srgbClr val="000000"/>
                   </a:solidFill>
@@ -2567,7 +2567,7 @@
             </a:ln>
             <a:extLst>
               <a:ext uri="{91240B29-F687-4f45-9708-019B960494DF}">
-                <a14:hiddenLine xmlns="" xmlns:a14="http://schemas.microsoft.com/office/drawing/2010/main" w="9525">
+                <a14:hiddenLine xmlns:a14="http://schemas.microsoft.com/office/drawing/2010/main" xmlns="" w="9525">
                   <a:solidFill>
                     <a:srgbClr val="000000"/>
                   </a:solidFill>
@@ -2635,7 +2635,7 @@
             </a:ln>
             <a:extLst>
               <a:ext uri="{91240B29-F687-4f45-9708-019B960494DF}">
-                <a14:hiddenLine xmlns="" xmlns:a14="http://schemas.microsoft.com/office/drawing/2010/main" w="9525">
+                <a14:hiddenLine xmlns:a14="http://schemas.microsoft.com/office/drawing/2010/main" xmlns="" w="9525">
                   <a:solidFill>
                     <a:srgbClr val="000000"/>
                   </a:solidFill>
@@ -2725,7 +2725,7 @@
             </a:ln>
             <a:extLst>
               <a:ext uri="{91240B29-F687-4f45-9708-019B960494DF}">
-                <a14:hiddenLine xmlns="" xmlns:a14="http://schemas.microsoft.com/office/drawing/2010/main" w="9525">
+                <a14:hiddenLine xmlns:a14="http://schemas.microsoft.com/office/drawing/2010/main" xmlns="" w="9525">
                   <a:solidFill>
                     <a:srgbClr val="000000"/>
                   </a:solidFill>
@@ -2793,7 +2793,7 @@
             </a:ln>
             <a:extLst>
               <a:ext uri="{91240B29-F687-4f45-9708-019B960494DF}">
-                <a14:hiddenLine xmlns="" xmlns:a14="http://schemas.microsoft.com/office/drawing/2010/main" w="9525">
+                <a14:hiddenLine xmlns:a14="http://schemas.microsoft.com/office/drawing/2010/main" xmlns="" w="9525">
                   <a:solidFill>
                     <a:srgbClr val="000000"/>
                   </a:solidFill>
@@ -2883,7 +2883,7 @@
             </a:ln>
             <a:extLst>
               <a:ext uri="{91240B29-F687-4f45-9708-019B960494DF}">
-                <a14:hiddenLine xmlns="" xmlns:a14="http://schemas.microsoft.com/office/drawing/2010/main" w="9525">
+                <a14:hiddenLine xmlns:a14="http://schemas.microsoft.com/office/drawing/2010/main" xmlns="" w="9525">
                   <a:solidFill>
                     <a:srgbClr val="000000"/>
                   </a:solidFill>
@@ -2917,7 +2917,7 @@
             </a:ln>
             <a:extLst>
               <a:ext uri="{91240B29-F687-4f45-9708-019B960494DF}">
-                <a14:hiddenLine xmlns="" xmlns:a14="http://schemas.microsoft.com/office/drawing/2010/main" w="9525">
+                <a14:hiddenLine xmlns:a14="http://schemas.microsoft.com/office/drawing/2010/main" xmlns="" w="9525">
                   <a:solidFill>
                     <a:srgbClr val="000000"/>
                   </a:solidFill>
@@ -3007,7 +3007,7 @@
             </a:ln>
             <a:extLst>
               <a:ext uri="{91240B29-F687-4f45-9708-019B960494DF}">
-                <a14:hiddenLine xmlns="" xmlns:a14="http://schemas.microsoft.com/office/drawing/2010/main" w="9525">
+                <a14:hiddenLine xmlns:a14="http://schemas.microsoft.com/office/drawing/2010/main" xmlns="" w="9525">
                   <a:solidFill>
                     <a:srgbClr val="000000"/>
                   </a:solidFill>
@@ -3069,7 +3069,7 @@
             </a:ln>
             <a:extLst>
               <a:ext uri="{91240B29-F687-4f45-9708-019B960494DF}">
-                <a14:hiddenLine xmlns="" xmlns:a14="http://schemas.microsoft.com/office/drawing/2010/main" w="9525">
+                <a14:hiddenLine xmlns:a14="http://schemas.microsoft.com/office/drawing/2010/main" xmlns="" w="9525">
                   <a:solidFill>
                     <a:srgbClr val="000000"/>
                   </a:solidFill>
@@ -3131,7 +3131,7 @@
             </a:ln>
             <a:extLst>
               <a:ext uri="{91240B29-F687-4f45-9708-019B960494DF}">
-                <a14:hiddenLine xmlns="" xmlns:a14="http://schemas.microsoft.com/office/drawing/2010/main" w="9525">
+                <a14:hiddenLine xmlns:a14="http://schemas.microsoft.com/office/drawing/2010/main" xmlns="" w="9525">
                   <a:solidFill>
                     <a:srgbClr val="000000"/>
                   </a:solidFill>
@@ -3221,7 +3221,7 @@
             </a:ln>
             <a:extLst>
               <a:ext uri="{91240B29-F687-4f45-9708-019B960494DF}">
-                <a14:hiddenLine xmlns="" xmlns:a14="http://schemas.microsoft.com/office/drawing/2010/main" w="9525">
+                <a14:hiddenLine xmlns:a14="http://schemas.microsoft.com/office/drawing/2010/main" xmlns="" w="9525">
                   <a:solidFill>
                     <a:srgbClr val="000000"/>
                   </a:solidFill>
@@ -3289,7 +3289,7 @@
             </a:ln>
             <a:extLst>
               <a:ext uri="{91240B29-F687-4f45-9708-019B960494DF}">
-                <a14:hiddenLine xmlns="" xmlns:a14="http://schemas.microsoft.com/office/drawing/2010/main" w="9525">
+                <a14:hiddenLine xmlns:a14="http://schemas.microsoft.com/office/drawing/2010/main" xmlns="" w="9525">
                   <a:solidFill>
                     <a:srgbClr val="000000"/>
                   </a:solidFill>
@@ -3351,7 +3351,7 @@
             </a:ln>
             <a:extLst>
               <a:ext uri="{91240B29-F687-4f45-9708-019B960494DF}">
-                <a14:hiddenLine xmlns="" xmlns:a14="http://schemas.microsoft.com/office/drawing/2010/main" w="9525">
+                <a14:hiddenLine xmlns:a14="http://schemas.microsoft.com/office/drawing/2010/main" xmlns="" w="9525">
                   <a:solidFill>
                     <a:srgbClr val="000000"/>
                   </a:solidFill>
@@ -3441,7 +3441,7 @@
             </a:ln>
             <a:extLst>
               <a:ext uri="{91240B29-F687-4f45-9708-019B960494DF}">
-                <a14:hiddenLine xmlns="" xmlns:a14="http://schemas.microsoft.com/office/drawing/2010/main" w="9525">
+                <a14:hiddenLine xmlns:a14="http://schemas.microsoft.com/office/drawing/2010/main" xmlns="" w="9525">
                   <a:solidFill>
                     <a:srgbClr val="000000"/>
                   </a:solidFill>
@@ -3503,7 +3503,7 @@
             </a:ln>
             <a:extLst>
               <a:ext uri="{91240B29-F687-4f45-9708-019B960494DF}">
-                <a14:hiddenLine xmlns="" xmlns:a14="http://schemas.microsoft.com/office/drawing/2010/main" w="9525">
+                <a14:hiddenLine xmlns:a14="http://schemas.microsoft.com/office/drawing/2010/main" xmlns="" w="9525">
                   <a:solidFill>
                     <a:srgbClr val="000000"/>
                   </a:solidFill>
@@ -3593,7 +3593,7 @@
             </a:ln>
             <a:extLst>
               <a:ext uri="{91240B29-F687-4f45-9708-019B960494DF}">
-                <a14:hiddenLine xmlns="" xmlns:a14="http://schemas.microsoft.com/office/drawing/2010/main" w="9525">
+                <a14:hiddenLine xmlns:a14="http://schemas.microsoft.com/office/drawing/2010/main" xmlns="" w="9525">
                   <a:solidFill>
                     <a:srgbClr val="000000"/>
                   </a:solidFill>
@@ -3655,7 +3655,7 @@
             </a:ln>
             <a:extLst>
               <a:ext uri="{91240B29-F687-4f45-9708-019B960494DF}">
-                <a14:hiddenLine xmlns="" xmlns:a14="http://schemas.microsoft.com/office/drawing/2010/main" w="9525">
+                <a14:hiddenLine xmlns:a14="http://schemas.microsoft.com/office/drawing/2010/main" xmlns="" w="9525">
                   <a:solidFill>
                     <a:srgbClr val="000000"/>
                   </a:solidFill>
@@ -3745,7 +3745,7 @@
             </a:ln>
             <a:extLst>
               <a:ext uri="{91240B29-F687-4f45-9708-019B960494DF}">
-                <a14:hiddenLine xmlns="" xmlns:a14="http://schemas.microsoft.com/office/drawing/2010/main" w="9525">
+                <a14:hiddenLine xmlns:a14="http://schemas.microsoft.com/office/drawing/2010/main" xmlns="" w="9525">
                   <a:solidFill>
                     <a:srgbClr val="000000"/>
                   </a:solidFill>
@@ -3779,7 +3779,7 @@
             </a:ln>
             <a:extLst>
               <a:ext uri="{91240B29-F687-4f45-9708-019B960494DF}">
-                <a14:hiddenLine xmlns="" xmlns:a14="http://schemas.microsoft.com/office/drawing/2010/main" w="9525">
+                <a14:hiddenLine xmlns:a14="http://schemas.microsoft.com/office/drawing/2010/main" xmlns="" w="9525">
                   <a:solidFill>
                     <a:srgbClr val="000000"/>
                   </a:solidFill>
@@ -3844,7 +3844,7 @@
             </a:ln>
             <a:extLst>
               <a:ext uri="{91240B29-F687-4f45-9708-019B960494DF}">
-                <a14:hiddenLine xmlns="" xmlns:a14="http://schemas.microsoft.com/office/drawing/2010/main" w="9525">
+                <a14:hiddenLine xmlns:a14="http://schemas.microsoft.com/office/drawing/2010/main" xmlns="" w="9525">
                   <a:solidFill>
                     <a:srgbClr val="000000"/>
                   </a:solidFill>
@@ -3934,7 +3934,7 @@
             </a:ln>
             <a:extLst>
               <a:ext uri="{91240B29-F687-4f45-9708-019B960494DF}">
-                <a14:hiddenLine xmlns="" xmlns:a14="http://schemas.microsoft.com/office/drawing/2010/main" w="9525">
+                <a14:hiddenLine xmlns:a14="http://schemas.microsoft.com/office/drawing/2010/main" xmlns="" w="9525">
                   <a:solidFill>
                     <a:srgbClr val="000000"/>
                   </a:solidFill>
@@ -3996,7 +3996,7 @@
             </a:ln>
             <a:extLst>
               <a:ext uri="{91240B29-F687-4f45-9708-019B960494DF}">
-                <a14:hiddenLine xmlns="" xmlns:a14="http://schemas.microsoft.com/office/drawing/2010/main" w="9525">
+                <a14:hiddenLine xmlns:a14="http://schemas.microsoft.com/office/drawing/2010/main" xmlns="" w="9525">
                   <a:solidFill>
                     <a:srgbClr val="000000"/>
                   </a:solidFill>
@@ -4086,7 +4086,7 @@
             </a:ln>
             <a:extLst>
               <a:ext uri="{91240B29-F687-4f45-9708-019B960494DF}">
-                <a14:hiddenLine xmlns="" xmlns:a14="http://schemas.microsoft.com/office/drawing/2010/main" w="9525">
+                <a14:hiddenLine xmlns:a14="http://schemas.microsoft.com/office/drawing/2010/main" xmlns="" w="9525">
                   <a:solidFill>
                     <a:srgbClr val="000000"/>
                   </a:solidFill>
@@ -4176,7 +4176,7 @@
             </a:ln>
             <a:extLst>
               <a:ext uri="{91240B29-F687-4f45-9708-019B960494DF}">
-                <a14:hiddenLine xmlns="" xmlns:a14="http://schemas.microsoft.com/office/drawing/2010/main" w="9525">
+                <a14:hiddenLine xmlns:a14="http://schemas.microsoft.com/office/drawing/2010/main" xmlns="" w="9525">
                   <a:solidFill>
                     <a:srgbClr val="000000"/>
                   </a:solidFill>
@@ -4241,7 +4241,7 @@
             </a:ln>
             <a:extLst>
               <a:ext uri="{91240B29-F687-4f45-9708-019B960494DF}">
-                <a14:hiddenLine xmlns="" xmlns:a14="http://schemas.microsoft.com/office/drawing/2010/main" w="9525">
+                <a14:hiddenLine xmlns:a14="http://schemas.microsoft.com/office/drawing/2010/main" xmlns="" w="9525">
                   <a:solidFill>
                     <a:srgbClr val="000000"/>
                   </a:solidFill>
@@ -4303,7 +4303,7 @@
             </a:ln>
             <a:extLst>
               <a:ext uri="{91240B29-F687-4f45-9708-019B960494DF}">
-                <a14:hiddenLine xmlns="" xmlns:a14="http://schemas.microsoft.com/office/drawing/2010/main" w="9525">
+                <a14:hiddenLine xmlns:a14="http://schemas.microsoft.com/office/drawing/2010/main" xmlns="" w="9525">
                   <a:solidFill>
                     <a:srgbClr val="000000"/>
                   </a:solidFill>
@@ -4393,7 +4393,7 @@
             </a:ln>
             <a:extLst>
               <a:ext uri="{91240B29-F687-4f45-9708-019B960494DF}">
-                <a14:hiddenLine xmlns="" xmlns:a14="http://schemas.microsoft.com/office/drawing/2010/main" w="9525">
+                <a14:hiddenLine xmlns:a14="http://schemas.microsoft.com/office/drawing/2010/main" xmlns="" w="9525">
                   <a:solidFill>
                     <a:srgbClr val="000000"/>
                   </a:solidFill>
@@ -4483,7 +4483,7 @@
             </a:ln>
             <a:extLst>
               <a:ext uri="{91240B29-F687-4f45-9708-019B960494DF}">
-                <a14:hiddenLine xmlns="" xmlns:a14="http://schemas.microsoft.com/office/drawing/2010/main" w="9525">
+                <a14:hiddenLine xmlns:a14="http://schemas.microsoft.com/office/drawing/2010/main" xmlns="" w="9525">
                   <a:solidFill>
                     <a:srgbClr val="000000"/>
                   </a:solidFill>
@@ -4545,7 +4545,7 @@
             </a:ln>
             <a:extLst>
               <a:ext uri="{91240B29-F687-4f45-9708-019B960494DF}">
-                <a14:hiddenLine xmlns="" xmlns:a14="http://schemas.microsoft.com/office/drawing/2010/main" w="9525">
+                <a14:hiddenLine xmlns:a14="http://schemas.microsoft.com/office/drawing/2010/main" xmlns="" w="9525">
                   <a:solidFill>
                     <a:srgbClr val="000000"/>
                   </a:solidFill>
@@ -4665,7 +4665,7 @@
             </a:ln>
             <a:extLst>
               <a:ext uri="{91240B29-F687-4f45-9708-019B960494DF}">
-                <a14:hiddenLine xmlns="" xmlns:a14="http://schemas.microsoft.com/office/drawing/2010/main" w="9525">
+                <a14:hiddenLine xmlns:a14="http://schemas.microsoft.com/office/drawing/2010/main" xmlns="" w="9525">
                   <a:solidFill>
                     <a:srgbClr val="000000"/>
                   </a:solidFill>
@@ -4733,7 +4733,7 @@
             </a:ln>
             <a:extLst>
               <a:ext uri="{91240B29-F687-4f45-9708-019B960494DF}">
-                <a14:hiddenLine xmlns="" xmlns:a14="http://schemas.microsoft.com/office/drawing/2010/main" w="9525">
+                <a14:hiddenLine xmlns:a14="http://schemas.microsoft.com/office/drawing/2010/main" xmlns="" w="9525">
                   <a:solidFill>
                     <a:srgbClr val="000000"/>
                   </a:solidFill>
@@ -4823,7 +4823,7 @@
             </a:ln>
             <a:extLst>
               <a:ext uri="{91240B29-F687-4f45-9708-019B960494DF}">
-                <a14:hiddenLine xmlns="" xmlns:a14="http://schemas.microsoft.com/office/drawing/2010/main" w="9525">
+                <a14:hiddenLine xmlns:a14="http://schemas.microsoft.com/office/drawing/2010/main" xmlns="" w="9525">
                   <a:solidFill>
                     <a:srgbClr val="000000"/>
                   </a:solidFill>
@@ -4963,7 +4963,7 @@
           <a:p>
             <a:fld id="{48A87A34-81AB-432B-8DAE-1953F412C126}" type="datetimeFigureOut">
               <a:rPr lang="en-US" smtClean="0"/>
-              <a:t>6/18/2020</a:t>
+              <a:t>6/22/2020</a:t>
             </a:fld>
             <a:endParaRPr lang="en-US" dirty="0"/>
           </a:p>
@@ -5230,7 +5230,7 @@
           <a:p>
             <a:fld id="{48A87A34-81AB-432B-8DAE-1953F412C126}" type="datetimeFigureOut">
               <a:rPr lang="en-US" smtClean="0"/>
-              <a:t>6/18/2020</a:t>
+              <a:t>6/22/2020</a:t>
             </a:fld>
             <a:endParaRPr lang="en-US" dirty="0"/>
           </a:p>
@@ -5426,7 +5426,7 @@
           <a:p>
             <a:fld id="{48A87A34-81AB-432B-8DAE-1953F412C126}" type="datetimeFigureOut">
               <a:rPr lang="en-US" smtClean="0"/>
-              <a:t>6/18/2020</a:t>
+              <a:t>6/22/2020</a:t>
             </a:fld>
             <a:endParaRPr lang="en-US" dirty="0"/>
           </a:p>
@@ -5689,7 +5689,7 @@
           <a:p>
             <a:fld id="{48A87A34-81AB-432B-8DAE-1953F412C126}" type="datetimeFigureOut">
               <a:rPr lang="en-US" smtClean="0"/>
-              <a:t>6/18/2020</a:t>
+              <a:t>6/22/2020</a:t>
             </a:fld>
             <a:endParaRPr lang="en-US" dirty="0"/>
           </a:p>
@@ -6123,7 +6123,7 @@
           <a:p>
             <a:fld id="{48A87A34-81AB-432B-8DAE-1953F412C126}" type="datetimeFigureOut">
               <a:rPr lang="en-US" smtClean="0"/>
-              <a:t>6/18/2020</a:t>
+              <a:t>6/22/2020</a:t>
             </a:fld>
             <a:endParaRPr lang="en-US" dirty="0"/>
           </a:p>
@@ -6669,7 +6669,7 @@
           <a:p>
             <a:fld id="{48A87A34-81AB-432B-8DAE-1953F412C126}" type="datetimeFigureOut">
               <a:rPr lang="en-US" smtClean="0"/>
-              <a:t>6/18/2020</a:t>
+              <a:t>6/22/2020</a:t>
             </a:fld>
             <a:endParaRPr lang="en-US" dirty="0"/>
           </a:p>
@@ -7389,7 +7389,7 @@
           <a:p>
             <a:fld id="{48A87A34-81AB-432B-8DAE-1953F412C126}" type="datetimeFigureOut">
               <a:rPr lang="en-US" smtClean="0"/>
-              <a:t>6/18/2020</a:t>
+              <a:t>6/22/2020</a:t>
             </a:fld>
             <a:endParaRPr lang="en-US" dirty="0"/>
           </a:p>
@@ -7559,7 +7559,7 @@
           <a:p>
             <a:fld id="{48A87A34-81AB-432B-8DAE-1953F412C126}" type="datetimeFigureOut">
               <a:rPr lang="en-US" smtClean="0"/>
-              <a:t>6/18/2020</a:t>
+              <a:t>6/22/2020</a:t>
             </a:fld>
             <a:endParaRPr lang="en-US" dirty="0"/>
           </a:p>
@@ -7739,7 +7739,7 @@
           <a:p>
             <a:fld id="{48A87A34-81AB-432B-8DAE-1953F412C126}" type="datetimeFigureOut">
               <a:rPr lang="en-US" smtClean="0"/>
-              <a:t>6/18/2020</a:t>
+              <a:t>6/22/2020</a:t>
             </a:fld>
             <a:endParaRPr lang="en-US" dirty="0"/>
           </a:p>
@@ -7909,7 +7909,7 @@
           <a:p>
             <a:fld id="{48A87A34-81AB-432B-8DAE-1953F412C126}" type="datetimeFigureOut">
               <a:rPr lang="en-US" smtClean="0"/>
-              <a:t>6/18/2020</a:t>
+              <a:t>6/22/2020</a:t>
             </a:fld>
             <a:endParaRPr lang="en-US" dirty="0"/>
           </a:p>
@@ -8159,7 +8159,7 @@
           <a:p>
             <a:fld id="{48A87A34-81AB-432B-8DAE-1953F412C126}" type="datetimeFigureOut">
               <a:rPr lang="en-US" smtClean="0"/>
-              <a:t>6/18/2020</a:t>
+              <a:t>6/22/2020</a:t>
             </a:fld>
             <a:endParaRPr lang="en-US" dirty="0"/>
           </a:p>
@@ -8391,7 +8391,7 @@
           <a:p>
             <a:fld id="{48A87A34-81AB-432B-8DAE-1953F412C126}" type="datetimeFigureOut">
               <a:rPr lang="en-US" smtClean="0"/>
-              <a:t>6/18/2020</a:t>
+              <a:t>6/22/2020</a:t>
             </a:fld>
             <a:endParaRPr lang="en-US" dirty="0"/>
           </a:p>
@@ -8772,7 +8772,7 @@
           <a:p>
             <a:fld id="{48A87A34-81AB-432B-8DAE-1953F412C126}" type="datetimeFigureOut">
               <a:rPr lang="en-US" smtClean="0"/>
-              <a:t>6/18/2020</a:t>
+              <a:t>6/22/2020</a:t>
             </a:fld>
             <a:endParaRPr lang="en-US" dirty="0"/>
           </a:p>
@@ -8890,7 +8890,7 @@
           <a:p>
             <a:fld id="{48A87A34-81AB-432B-8DAE-1953F412C126}" type="datetimeFigureOut">
               <a:rPr lang="en-US" smtClean="0"/>
-              <a:t>6/18/2020</a:t>
+              <a:t>6/22/2020</a:t>
             </a:fld>
             <a:endParaRPr lang="en-US" dirty="0"/>
           </a:p>
@@ -8985,7 +8985,7 @@
           <a:p>
             <a:fld id="{48A87A34-81AB-432B-8DAE-1953F412C126}" type="datetimeFigureOut">
               <a:rPr lang="en-US" smtClean="0"/>
-              <a:t>6/18/2020</a:t>
+              <a:t>6/22/2020</a:t>
             </a:fld>
             <a:endParaRPr lang="en-US" dirty="0"/>
           </a:p>
@@ -9234,7 +9234,7 @@
           <a:p>
             <a:fld id="{48A87A34-81AB-432B-8DAE-1953F412C126}" type="datetimeFigureOut">
               <a:rPr lang="en-US" smtClean="0"/>
-              <a:t>6/18/2020</a:t>
+              <a:t>6/22/2020</a:t>
             </a:fld>
             <a:endParaRPr lang="en-US" dirty="0"/>
           </a:p>
@@ -9514,7 +9514,7 @@
           <a:p>
             <a:fld id="{48A87A34-81AB-432B-8DAE-1953F412C126}" type="datetimeFigureOut">
               <a:rPr lang="en-US" smtClean="0"/>
-              <a:t>6/18/2020</a:t>
+              <a:t>6/22/2020</a:t>
             </a:fld>
             <a:endParaRPr lang="en-US" dirty="0"/>
           </a:p>
@@ -9637,7 +9637,7 @@
           <a:noFill/>
           <a:extLst>
             <a:ext uri="{909E8E84-426E-40dd-AFC4-6F175D3DCCD1}">
-              <a14:hiddenFill xmlns="" xmlns:a14="http://schemas.microsoft.com/office/drawing/2010/main">
+              <a14:hiddenFill xmlns:a14="http://schemas.microsoft.com/office/drawing/2010/main" xmlns="">
                 <a:solidFill>
                   <a:srgbClr val="FFFFFF"/>
                 </a:solidFill>
@@ -9711,7 +9711,7 @@
               </a:ln>
               <a:extLst>
                 <a:ext uri="{91240B29-F687-4f45-9708-019B960494DF}">
-                  <a14:hiddenLine xmlns="" xmlns:a14="http://schemas.microsoft.com/office/drawing/2010/main" w="9525">
+                  <a14:hiddenLine xmlns:a14="http://schemas.microsoft.com/office/drawing/2010/main" xmlns="" w="9525">
                     <a:solidFill>
                       <a:srgbClr val="000000"/>
                     </a:solidFill>
@@ -9801,7 +9801,7 @@
               </a:ln>
               <a:extLst>
                 <a:ext uri="{91240B29-F687-4f45-9708-019B960494DF}">
-                  <a14:hiddenLine xmlns="" xmlns:a14="http://schemas.microsoft.com/office/drawing/2010/main" w="9525">
+                  <a14:hiddenLine xmlns:a14="http://schemas.microsoft.com/office/drawing/2010/main" xmlns="" w="9525">
                     <a:solidFill>
                       <a:srgbClr val="000000"/>
                     </a:solidFill>
@@ -9891,7 +9891,7 @@
               </a:ln>
               <a:extLst>
                 <a:ext uri="{91240B29-F687-4f45-9708-019B960494DF}">
-                  <a14:hiddenLine xmlns="" xmlns:a14="http://schemas.microsoft.com/office/drawing/2010/main" w="9525">
+                  <a14:hiddenLine xmlns:a14="http://schemas.microsoft.com/office/drawing/2010/main" xmlns="" w="9525">
                     <a:solidFill>
                       <a:srgbClr val="000000"/>
                     </a:solidFill>
@@ -9953,7 +9953,7 @@
               </a:ln>
               <a:extLst>
                 <a:ext uri="{91240B29-F687-4f45-9708-019B960494DF}">
-                  <a14:hiddenLine xmlns="" xmlns:a14="http://schemas.microsoft.com/office/drawing/2010/main" w="9525">
+                  <a14:hiddenLine xmlns:a14="http://schemas.microsoft.com/office/drawing/2010/main" xmlns="" w="9525">
                     <a:solidFill>
                       <a:srgbClr val="000000"/>
                     </a:solidFill>
@@ -10043,7 +10043,7 @@
               </a:ln>
               <a:extLst>
                 <a:ext uri="{91240B29-F687-4f45-9708-019B960494DF}">
-                  <a14:hiddenLine xmlns="" xmlns:a14="http://schemas.microsoft.com/office/drawing/2010/main" w="9525">
+                  <a14:hiddenLine xmlns:a14="http://schemas.microsoft.com/office/drawing/2010/main" xmlns="" w="9525">
                     <a:solidFill>
                       <a:srgbClr val="000000"/>
                     </a:solidFill>
@@ -10105,7 +10105,7 @@
               </a:ln>
               <a:extLst>
                 <a:ext uri="{91240B29-F687-4f45-9708-019B960494DF}">
-                  <a14:hiddenLine xmlns="" xmlns:a14="http://schemas.microsoft.com/office/drawing/2010/main" w="9525">
+                  <a14:hiddenLine xmlns:a14="http://schemas.microsoft.com/office/drawing/2010/main" xmlns="" w="9525">
                     <a:solidFill>
                       <a:srgbClr val="000000"/>
                     </a:solidFill>
@@ -10167,7 +10167,7 @@
               </a:ln>
               <a:extLst>
                 <a:ext uri="{91240B29-F687-4f45-9708-019B960494DF}">
-                  <a14:hiddenLine xmlns="" xmlns:a14="http://schemas.microsoft.com/office/drawing/2010/main" w="9525">
+                  <a14:hiddenLine xmlns:a14="http://schemas.microsoft.com/office/drawing/2010/main" xmlns="" w="9525">
                     <a:solidFill>
                       <a:srgbClr val="000000"/>
                     </a:solidFill>
@@ -10257,7 +10257,7 @@
               </a:ln>
               <a:extLst>
                 <a:ext uri="{91240B29-F687-4f45-9708-019B960494DF}">
-                  <a14:hiddenLine xmlns="" xmlns:a14="http://schemas.microsoft.com/office/drawing/2010/main" w="9525">
+                  <a14:hiddenLine xmlns:a14="http://schemas.microsoft.com/office/drawing/2010/main" xmlns="" w="9525">
                     <a:solidFill>
                       <a:srgbClr val="000000"/>
                     </a:solidFill>
@@ -10347,7 +10347,7 @@
               </a:ln>
               <a:extLst>
                 <a:ext uri="{91240B29-F687-4f45-9708-019B960494DF}">
-                  <a14:hiddenLine xmlns="" xmlns:a14="http://schemas.microsoft.com/office/drawing/2010/main" w="9525">
+                  <a14:hiddenLine xmlns:a14="http://schemas.microsoft.com/office/drawing/2010/main" xmlns="" w="9525">
                     <a:solidFill>
                       <a:srgbClr val="000000"/>
                     </a:solidFill>
@@ -10409,7 +10409,7 @@
               </a:ln>
               <a:extLst>
                 <a:ext uri="{91240B29-F687-4f45-9708-019B960494DF}">
-                  <a14:hiddenLine xmlns="" xmlns:a14="http://schemas.microsoft.com/office/drawing/2010/main" w="9525">
+                  <a14:hiddenLine xmlns:a14="http://schemas.microsoft.com/office/drawing/2010/main" xmlns="" w="9525">
                     <a:solidFill>
                       <a:srgbClr val="000000"/>
                     </a:solidFill>
@@ -10519,7 +10519,7 @@
               </a:ln>
               <a:extLst>
                 <a:ext uri="{91240B29-F687-4f45-9708-019B960494DF}">
-                  <a14:hiddenLine xmlns="" xmlns:a14="http://schemas.microsoft.com/office/drawing/2010/main" w="9525">
+                  <a14:hiddenLine xmlns:a14="http://schemas.microsoft.com/office/drawing/2010/main" xmlns="" w="9525">
                     <a:solidFill>
                       <a:srgbClr val="000000"/>
                     </a:solidFill>
@@ -10603,7 +10603,7 @@
               </a:ln>
               <a:extLst>
                 <a:ext uri="{91240B29-F687-4f45-9708-019B960494DF}">
-                  <a14:hiddenLine xmlns="" xmlns:a14="http://schemas.microsoft.com/office/drawing/2010/main" w="9525">
+                  <a14:hiddenLine xmlns:a14="http://schemas.microsoft.com/office/drawing/2010/main" xmlns="" w="9525">
                     <a:solidFill>
                       <a:srgbClr val="000000"/>
                     </a:solidFill>
@@ -10665,7 +10665,7 @@
               </a:ln>
               <a:extLst>
                 <a:ext uri="{91240B29-F687-4f45-9708-019B960494DF}">
-                  <a14:hiddenLine xmlns="" xmlns:a14="http://schemas.microsoft.com/office/drawing/2010/main" w="9525">
+                  <a14:hiddenLine xmlns:a14="http://schemas.microsoft.com/office/drawing/2010/main" xmlns="" w="9525">
                     <a:solidFill>
                       <a:srgbClr val="000000"/>
                     </a:solidFill>
@@ -10727,7 +10727,7 @@
               </a:ln>
               <a:extLst>
                 <a:ext uri="{91240B29-F687-4f45-9708-019B960494DF}">
-                  <a14:hiddenLine xmlns="" xmlns:a14="http://schemas.microsoft.com/office/drawing/2010/main" w="9525">
+                  <a14:hiddenLine xmlns:a14="http://schemas.microsoft.com/office/drawing/2010/main" xmlns="" w="9525">
                     <a:solidFill>
                       <a:srgbClr val="000000"/>
                     </a:solidFill>
@@ -10817,7 +10817,7 @@
               </a:ln>
               <a:extLst>
                 <a:ext uri="{91240B29-F687-4f45-9708-019B960494DF}">
-                  <a14:hiddenLine xmlns="" xmlns:a14="http://schemas.microsoft.com/office/drawing/2010/main" w="9525">
+                  <a14:hiddenLine xmlns:a14="http://schemas.microsoft.com/office/drawing/2010/main" xmlns="" w="9525">
                     <a:solidFill>
                       <a:srgbClr val="000000"/>
                     </a:solidFill>
@@ -10851,7 +10851,7 @@
               </a:ln>
               <a:extLst>
                 <a:ext uri="{91240B29-F687-4f45-9708-019B960494DF}">
-                  <a14:hiddenLine xmlns="" xmlns:a14="http://schemas.microsoft.com/office/drawing/2010/main" w="9525">
+                  <a14:hiddenLine xmlns:a14="http://schemas.microsoft.com/office/drawing/2010/main" xmlns="" w="9525">
                     <a:solidFill>
                       <a:srgbClr val="000000"/>
                     </a:solidFill>
@@ -10916,7 +10916,7 @@
               </a:ln>
               <a:extLst>
                 <a:ext uri="{91240B29-F687-4f45-9708-019B960494DF}">
-                  <a14:hiddenLine xmlns="" xmlns:a14="http://schemas.microsoft.com/office/drawing/2010/main" w="9525">
+                  <a14:hiddenLine xmlns:a14="http://schemas.microsoft.com/office/drawing/2010/main" xmlns="" w="9525">
                     <a:solidFill>
                       <a:srgbClr val="000000"/>
                     </a:solidFill>
@@ -11006,7 +11006,7 @@
               </a:ln>
               <a:extLst>
                 <a:ext uri="{91240B29-F687-4f45-9708-019B960494DF}">
-                  <a14:hiddenLine xmlns="" xmlns:a14="http://schemas.microsoft.com/office/drawing/2010/main" w="9525">
+                  <a14:hiddenLine xmlns:a14="http://schemas.microsoft.com/office/drawing/2010/main" xmlns="" w="9525">
                     <a:solidFill>
                       <a:srgbClr val="000000"/>
                     </a:solidFill>
@@ -11068,7 +11068,7 @@
               </a:ln>
               <a:extLst>
                 <a:ext uri="{91240B29-F687-4f45-9708-019B960494DF}">
-                  <a14:hiddenLine xmlns="" xmlns:a14="http://schemas.microsoft.com/office/drawing/2010/main" w="9525">
+                  <a14:hiddenLine xmlns:a14="http://schemas.microsoft.com/office/drawing/2010/main" xmlns="" w="9525">
                     <a:solidFill>
                       <a:srgbClr val="000000"/>
                     </a:solidFill>
@@ -11158,7 +11158,7 @@
               </a:ln>
               <a:extLst>
                 <a:ext uri="{91240B29-F687-4f45-9708-019B960494DF}">
-                  <a14:hiddenLine xmlns="" xmlns:a14="http://schemas.microsoft.com/office/drawing/2010/main" w="9525">
+                  <a14:hiddenLine xmlns:a14="http://schemas.microsoft.com/office/drawing/2010/main" xmlns="" w="9525">
                     <a:solidFill>
                       <a:srgbClr val="000000"/>
                     </a:solidFill>
@@ -11223,7 +11223,7 @@
               </a:ln>
               <a:extLst>
                 <a:ext uri="{91240B29-F687-4f45-9708-019B960494DF}">
-                  <a14:hiddenLine xmlns="" xmlns:a14="http://schemas.microsoft.com/office/drawing/2010/main" w="9525">
+                  <a14:hiddenLine xmlns:a14="http://schemas.microsoft.com/office/drawing/2010/main" xmlns="" w="9525">
                     <a:solidFill>
                       <a:srgbClr val="000000"/>
                     </a:solidFill>
@@ -11285,7 +11285,7 @@
               </a:ln>
               <a:extLst>
                 <a:ext uri="{91240B29-F687-4f45-9708-019B960494DF}">
-                  <a14:hiddenLine xmlns="" xmlns:a14="http://schemas.microsoft.com/office/drawing/2010/main" w="9525">
+                  <a14:hiddenLine xmlns:a14="http://schemas.microsoft.com/office/drawing/2010/main" xmlns="" w="9525">
                     <a:solidFill>
                       <a:srgbClr val="000000"/>
                     </a:solidFill>
@@ -11375,7 +11375,7 @@
               </a:ln>
               <a:extLst>
                 <a:ext uri="{91240B29-F687-4f45-9708-019B960494DF}">
-                  <a14:hiddenLine xmlns="" xmlns:a14="http://schemas.microsoft.com/office/drawing/2010/main" w="9525">
+                  <a14:hiddenLine xmlns:a14="http://schemas.microsoft.com/office/drawing/2010/main" xmlns="" w="9525">
                     <a:solidFill>
                       <a:srgbClr val="000000"/>
                     </a:solidFill>
@@ -11465,7 +11465,7 @@
               </a:ln>
               <a:extLst>
                 <a:ext uri="{91240B29-F687-4f45-9708-019B960494DF}">
-                  <a14:hiddenLine xmlns="" xmlns:a14="http://schemas.microsoft.com/office/drawing/2010/main" w="9525">
+                  <a14:hiddenLine xmlns:a14="http://schemas.microsoft.com/office/drawing/2010/main" xmlns="" w="9525">
                     <a:solidFill>
                       <a:srgbClr val="000000"/>
                     </a:solidFill>
@@ -11530,7 +11530,7 @@
               </a:ln>
               <a:extLst>
                 <a:ext uri="{91240B29-F687-4f45-9708-019B960494DF}">
-                  <a14:hiddenLine xmlns="" xmlns:a14="http://schemas.microsoft.com/office/drawing/2010/main" w="9525">
+                  <a14:hiddenLine xmlns:a14="http://schemas.microsoft.com/office/drawing/2010/main" xmlns="" w="9525">
                     <a:solidFill>
                       <a:srgbClr val="000000"/>
                     </a:solidFill>
@@ -11650,7 +11650,7 @@
               </a:ln>
               <a:extLst>
                 <a:ext uri="{91240B29-F687-4f45-9708-019B960494DF}">
-                  <a14:hiddenLine xmlns="" xmlns:a14="http://schemas.microsoft.com/office/drawing/2010/main" w="9525">
+                  <a14:hiddenLine xmlns:a14="http://schemas.microsoft.com/office/drawing/2010/main" xmlns="" w="9525">
                     <a:solidFill>
                       <a:srgbClr val="000000"/>
                     </a:solidFill>
@@ -11731,7 +11731,7 @@
               </a:ln>
               <a:extLst>
                 <a:ext uri="{91240B29-F687-4f45-9708-019B960494DF}">
-                  <a14:hiddenLine xmlns="" xmlns:a14="http://schemas.microsoft.com/office/drawing/2010/main" w="9525">
+                  <a14:hiddenLine xmlns:a14="http://schemas.microsoft.com/office/drawing/2010/main" xmlns="" w="9525">
                     <a:solidFill>
                       <a:srgbClr val="000000"/>
                     </a:solidFill>
@@ -11846,7 +11846,7 @@
               </a:ln>
               <a:extLst>
                 <a:ext uri="{91240B29-F687-4f45-9708-019B960494DF}">
-                  <a14:hiddenLine xmlns="" xmlns:a14="http://schemas.microsoft.com/office/drawing/2010/main" w="9525">
+                  <a14:hiddenLine xmlns:a14="http://schemas.microsoft.com/office/drawing/2010/main" xmlns="" w="9525">
                     <a:solidFill>
                       <a:srgbClr val="000000"/>
                     </a:solidFill>
@@ -11936,7 +11936,7 @@
               </a:ln>
               <a:extLst>
                 <a:ext uri="{91240B29-F687-4f45-9708-019B960494DF}">
-                  <a14:hiddenLine xmlns="" xmlns:a14="http://schemas.microsoft.com/office/drawing/2010/main" w="9525">
+                  <a14:hiddenLine xmlns:a14="http://schemas.microsoft.com/office/drawing/2010/main" xmlns="" w="9525">
                     <a:solidFill>
                       <a:srgbClr val="000000"/>
                     </a:solidFill>
@@ -12001,7 +12001,7 @@
               </a:ln>
               <a:extLst>
                 <a:ext uri="{91240B29-F687-4f45-9708-019B960494DF}">
-                  <a14:hiddenLine xmlns="" xmlns:a14="http://schemas.microsoft.com/office/drawing/2010/main" w="9525">
+                  <a14:hiddenLine xmlns:a14="http://schemas.microsoft.com/office/drawing/2010/main" xmlns="" w="9525">
                     <a:solidFill>
                       <a:srgbClr val="000000"/>
                     </a:solidFill>
@@ -12091,7 +12091,7 @@
               </a:ln>
               <a:extLst>
                 <a:ext uri="{91240B29-F687-4f45-9708-019B960494DF}">
-                  <a14:hiddenLine xmlns="" xmlns:a14="http://schemas.microsoft.com/office/drawing/2010/main" w="9525">
+                  <a14:hiddenLine xmlns:a14="http://schemas.microsoft.com/office/drawing/2010/main" xmlns="" w="9525">
                     <a:solidFill>
                       <a:srgbClr val="000000"/>
                     </a:solidFill>
@@ -12159,7 +12159,7 @@
               </a:ln>
               <a:extLst>
                 <a:ext uri="{91240B29-F687-4f45-9708-019B960494DF}">
-                  <a14:hiddenLine xmlns="" xmlns:a14="http://schemas.microsoft.com/office/drawing/2010/main" w="9525">
+                  <a14:hiddenLine xmlns:a14="http://schemas.microsoft.com/office/drawing/2010/main" xmlns="" w="9525">
                     <a:solidFill>
                       <a:srgbClr val="000000"/>
                     </a:solidFill>
@@ -12249,7 +12249,7 @@
               </a:ln>
               <a:extLst>
                 <a:ext uri="{91240B29-F687-4f45-9708-019B960494DF}">
-                  <a14:hiddenLine xmlns="" xmlns:a14="http://schemas.microsoft.com/office/drawing/2010/main" w="9525">
+                  <a14:hiddenLine xmlns:a14="http://schemas.microsoft.com/office/drawing/2010/main" xmlns="" w="9525">
                     <a:solidFill>
                       <a:srgbClr val="000000"/>
                     </a:solidFill>
@@ -12317,7 +12317,7 @@
               </a:ln>
               <a:extLst>
                 <a:ext uri="{91240B29-F687-4f45-9708-019B960494DF}">
-                  <a14:hiddenLine xmlns="" xmlns:a14="http://schemas.microsoft.com/office/drawing/2010/main" w="9525">
+                  <a14:hiddenLine xmlns:a14="http://schemas.microsoft.com/office/drawing/2010/main" xmlns="" w="9525">
                     <a:solidFill>
                       <a:srgbClr val="000000"/>
                     </a:solidFill>
@@ -12407,7 +12407,7 @@
               </a:ln>
               <a:extLst>
                 <a:ext uri="{91240B29-F687-4f45-9708-019B960494DF}">
-                  <a14:hiddenLine xmlns="" xmlns:a14="http://schemas.microsoft.com/office/drawing/2010/main" w="9525">
+                  <a14:hiddenLine xmlns:a14="http://schemas.microsoft.com/office/drawing/2010/main" xmlns="" w="9525">
                     <a:solidFill>
                       <a:srgbClr val="000000"/>
                     </a:solidFill>
@@ -12441,7 +12441,7 @@
               </a:ln>
               <a:extLst>
                 <a:ext uri="{91240B29-F687-4f45-9708-019B960494DF}">
-                  <a14:hiddenLine xmlns="" xmlns:a14="http://schemas.microsoft.com/office/drawing/2010/main" w="9525">
+                  <a14:hiddenLine xmlns:a14="http://schemas.microsoft.com/office/drawing/2010/main" xmlns="" w="9525">
                     <a:solidFill>
                       <a:srgbClr val="000000"/>
                     </a:solidFill>
@@ -12582,7 +12582,7 @@
             <a:fld id="{48A87A34-81AB-432B-8DAE-1953F412C126}" type="datetimeFigureOut">
               <a:rPr lang="en-US" smtClean="0"/>
               <a:pPr/>
-              <a:t>6/18/2020</a:t>
+              <a:t>6/22/2020</a:t>
             </a:fld>
             <a:endParaRPr lang="en-US" dirty="0"/>
           </a:p>
@@ -14352,7 +14352,7 @@
         <p:spPr/>
         <p:txBody>
           <a:bodyPr>
-            <a:normAutofit fontScale="92500"/>
+            <a:normAutofit/>
           </a:bodyPr>
           <a:lstStyle/>
           <a:p>
@@ -14609,11 +14609,19 @@
             </a:r>
             <a:r>
               <a:rPr lang="en-GB" dirty="0" err="1"/>
-              <a:t>wdrożonę</a:t>
+              <a:t>wdrożone</a:t>
             </a:r>
             <a:r>
               <a:rPr lang="en-GB" dirty="0"/>
-              <a:t> I </a:t>
+              <a:t> </a:t>
+            </a:r>
+            <a:r>
+              <a:rPr lang="en-GB" dirty="0" err="1"/>
+              <a:t>i</a:t>
+            </a:r>
+            <a:r>
+              <a:rPr lang="en-GB" dirty="0"/>
+              <a:t> </a:t>
             </a:r>
             <a:r>
               <a:rPr lang="en-GB" dirty="0" err="1"/>
@@ -14693,7 +14701,15 @@
             </a:r>
             <a:r>
               <a:rPr lang="en-GB" dirty="0"/>
-              <a:t> I </a:t>
+              <a:t> </a:t>
+            </a:r>
+            <a:r>
+              <a:rPr lang="en-GB" dirty="0" err="1"/>
+              <a:t>i</a:t>
+            </a:r>
+            <a:r>
+              <a:rPr lang="en-GB" dirty="0"/>
+              <a:t> </a:t>
             </a:r>
             <a:r>
               <a:rPr lang="en-GB" dirty="0" err="1"/>
@@ -15224,10 +15240,9 @@
           <a:p>
             <a:pPr algn="ctr"/>
             <a:r>
-              <a:rPr lang="en-US" sz="4000" dirty="0" smtClean="0"/>
+              <a:rPr lang="en-US" sz="4000" dirty="0"/>
               <a:t>Podpis elektroniczny</a:t>
             </a:r>
-            <a:endParaRPr lang="en-US" sz="4000" dirty="0"/>
           </a:p>
         </p:txBody>
       </p:sp>
@@ -15282,10 +15297,6 @@
               <a:rPr lang="pl-PL" b="1" dirty="0"/>
               <a:t>Jak uzyskać kwalifikowany podpis elektroniczny?</a:t>
             </a:r>
-            <a:r>
-              <a:rPr lang="en-US" dirty="0"/>
-              <a:t/>
-            </a:r>
             <a:br>
               <a:rPr lang="en-US" dirty="0"/>
             </a:br>
@@ -15311,37 +15322,25 @@
           <a:lstStyle/>
           <a:p>
             <a:r>
-              <a:rPr lang="pl-PL" dirty="0" smtClean="0"/>
+              <a:rPr lang="pl-PL" dirty="0"/>
               <a:t>Kwalifikowany podpis elektroniczny jest narzędziem komercyjnym, można go kupić u certyfikowanych dostawców, nadzorowanych przez Ministerstwo Cyfryzacji. Listę dostawców można znaleźć na stronie Narodowego Centrum Certyfikacji (NCCert).</a:t>
             </a:r>
-            <a:r>
-              <a:rPr lang="en-US" dirty="0" smtClean="0"/>
-              <a:t/>
-            </a:r>
             <a:br>
-              <a:rPr lang="en-US" dirty="0" smtClean="0"/>
+              <a:rPr lang="en-US" dirty="0"/>
             </a:br>
             <a:r>
-              <a:rPr lang="pl-PL" dirty="0" smtClean="0"/>
+              <a:rPr lang="pl-PL" dirty="0"/>
               <a:t> </a:t>
             </a:r>
-            <a:r>
-              <a:rPr lang="en-US" dirty="0" smtClean="0"/>
-              <a:t/>
-            </a:r>
             <a:br>
-              <a:rPr lang="en-US" dirty="0" smtClean="0"/>
+              <a:rPr lang="en-US" dirty="0"/>
             </a:br>
             <a:r>
-              <a:rPr lang="pl-PL" dirty="0" smtClean="0"/>
+              <a:rPr lang="pl-PL" dirty="0"/>
               <a:t>Wysokość opłaty ustalana jest przez podmioty oferujące podpis elektroniczny - cena zależy od długości ważności certyfikatu (rok lub dwa lata) oraz rodzaju urządzenia do składania podpisu elektronicznego (czytnik kart USB, token USB lub PCMCIA).</a:t>
             </a:r>
-            <a:r>
-              <a:rPr lang="en-US" dirty="0" smtClean="0"/>
-              <a:t/>
-            </a:r>
             <a:br>
-              <a:rPr lang="en-US" dirty="0" smtClean="0"/>
+              <a:rPr lang="en-US" dirty="0"/>
             </a:br>
             <a:endParaRPr lang="en-US" dirty="0"/>
           </a:p>
@@ -15579,10 +15578,6 @@
               <a:rPr lang="pl-PL"/>
               <a:t> </a:t>
             </a:r>
-            <a:r>
-              <a:rPr lang="en-US"/>
-              <a:t/>
-            </a:r>
             <a:br>
               <a:rPr lang="en-US"/>
             </a:br>
@@ -15697,10 +15692,6 @@
               <a:rPr lang="pl-PL" b="1" dirty="0"/>
               <a:t>Jakie sprawy można załatwić z wykorzystaniem podpisu elektronicznego?</a:t>
             </a:r>
-            <a:r>
-              <a:rPr lang="en-US" dirty="0"/>
-              <a:t/>
-            </a:r>
             <a:br>
               <a:rPr lang="en-US" dirty="0"/>
             </a:br>
@@ -15730,11 +15721,7 @@
             </a:pPr>
             <a:r>
               <a:rPr lang="pl-PL" dirty="0"/>
-              <a:t>Wykorzystując bezpieczny podpis elektroniczny, można podpisać plik dokumentów, np</a:t>
-            </a:r>
-            <a:r>
-              <a:rPr lang="pl-PL" dirty="0" smtClean="0"/>
-              <a:t>.:</a:t>
+              <a:t>Wykorzystując bezpieczny podpis elektroniczny, można podpisać plik dokumentów, np.:</a:t>
             </a:r>
             <a:endParaRPr lang="en-US" dirty="0"/>
           </a:p>
@@ -15742,11 +15729,7 @@
             <a:pPr lvl="0"/>
             <a:r>
               <a:rPr lang="pl-PL" dirty="0"/>
-              <a:t>faktury elektroniczne</a:t>
-            </a:r>
-            <a:r>
-              <a:rPr lang="pl-PL" dirty="0" smtClean="0"/>
-              <a:t>,</a:t>
+              <a:t>faktury elektroniczne,</a:t>
             </a:r>
             <a:endParaRPr lang="en-US" dirty="0"/>
           </a:p>
@@ -15754,11 +15737,7 @@
             <a:pPr lvl="0"/>
             <a:r>
               <a:rPr lang="pl-PL" dirty="0"/>
-              <a:t>umowy handlowe</a:t>
-            </a:r>
-            <a:r>
-              <a:rPr lang="pl-PL" dirty="0" smtClean="0"/>
-              <a:t>,</a:t>
+              <a:t>umowy handlowe,</a:t>
             </a:r>
             <a:endParaRPr lang="en-US" dirty="0"/>
           </a:p>
@@ -15766,11 +15745,7 @@
             <a:pPr lvl="0"/>
             <a:r>
               <a:rPr lang="pl-PL" dirty="0"/>
-              <a:t>zarejestrować działalność gospodarczą</a:t>
-            </a:r>
-            <a:r>
-              <a:rPr lang="pl-PL" dirty="0" smtClean="0"/>
-              <a:t>,</a:t>
+              <a:t>zarejestrować działalność gospodarczą,</a:t>
             </a:r>
             <a:endParaRPr lang="en-US" dirty="0"/>
           </a:p>
@@ -15778,11 +15753,7 @@
             <a:pPr lvl="0"/>
             <a:r>
               <a:rPr lang="pl-PL" dirty="0"/>
-              <a:t>pisma procesowe w sądowym postępowaniu upominawczym</a:t>
-            </a:r>
-            <a:r>
-              <a:rPr lang="pl-PL" dirty="0" smtClean="0"/>
-              <a:t>,</a:t>
+              <a:t>pisma procesowe w sądowym postępowaniu upominawczym,</a:t>
             </a:r>
             <a:endParaRPr lang="en-US" dirty="0"/>
           </a:p>
@@ -15790,11 +15761,7 @@
             <a:pPr lvl="0"/>
             <a:r>
               <a:rPr lang="pl-PL" dirty="0"/>
-              <a:t>e-deklaracje </a:t>
-            </a:r>
-            <a:r>
-              <a:rPr lang="pl-PL" dirty="0" smtClean="0"/>
-              <a:t>podatkowe</a:t>
+              <a:t>e-deklaracje podatkowe</a:t>
             </a:r>
             <a:endParaRPr lang="en-US" dirty="0"/>
           </a:p>
@@ -16288,7 +16255,14 @@
           <a:p>
             <a:r>
               <a:rPr lang="pl-PL" dirty="0"/>
-              <a:t>Rozbudowany mechanizm powiadamiania o zdarzeniach(awariach)•Interfejs WWW</a:t>
+              <a:t>Rozbudowany mechanizm powiadamiania o zdarzeniach(awariach)</a:t>
+            </a:r>
+            <a:endParaRPr lang="en-US" dirty="0"/>
+          </a:p>
+          <a:p>
+            <a:r>
+              <a:rPr lang="pl-PL" dirty="0"/>
+              <a:t>Interfejs WWW</a:t>
             </a:r>
             <a:endParaRPr lang="en-GB" dirty="0"/>
           </a:p>
@@ -17668,15 +17642,6 @@
 </file>
 
 <file path=customXml/item1.xml><?xml version="1.0" encoding="utf-8"?>
-<?mso-contentType ?>
-<FormTemplates xmlns="http://schemas.microsoft.com/sharepoint/v3/contenttype/forms">
-  <Display>DocumentLibraryForm</Display>
-  <Edit>DocumentLibraryForm</Edit>
-  <New>DocumentLibraryForm</New>
-</FormTemplates>
-</file>
-
-<file path=customXml/item2.xml><?xml version="1.0" encoding="utf-8"?>
 <ct:contentTypeSchema xmlns:ct="http://schemas.microsoft.com/office/2006/metadata/contentType" xmlns:ma="http://schemas.microsoft.com/office/2006/metadata/properties/metaAttributes" ct:_="" ma:_="" ma:contentTypeName="Document" ma:contentTypeID="0x01010079F111ED35F8CC479449609E8A0923A6" ma:contentTypeVersion="11" ma:contentTypeDescription="Create a new document." ma:contentTypeScope="" ma:versionID="96291512c1ee715ab617f4c07df79fc1">
   <xsd:schema xmlns:xsd="http://www.w3.org/2001/XMLSchema" xmlns:xs="http://www.w3.org/2001/XMLSchema" xmlns:p="http://schemas.microsoft.com/office/2006/metadata/properties" xmlns:ns2="71af3243-3dd4-4a8d-8c0d-dd76da1f02a5" xmlns:ns3="16c05727-aa75-4e4a-9b5f-8a80a1165891" targetNamespace="http://schemas.microsoft.com/office/2006/metadata/properties" ma:root="true" ma:fieldsID="8256c27c40ca5c40ce1cf6c44f0205df" ns2:_="" ns3:_="">
     <xsd:import namespace="71af3243-3dd4-4a8d-8c0d-dd76da1f02a5"/>
@@ -17887,6 +17852,15 @@
 </ct:contentTypeSchema>
 </file>
 
+<file path=customXml/item2.xml><?xml version="1.0" encoding="utf-8"?>
+<?mso-contentType ?>
+<FormTemplates xmlns="http://schemas.microsoft.com/sharepoint/v3/contenttype/forms">
+  <Display>DocumentLibraryForm</Display>
+  <Edit>DocumentLibraryForm</Edit>
+  <New>DocumentLibraryForm</New>
+</FormTemplates>
+</file>
+
 <file path=customXml/item3.xml><?xml version="1.0" encoding="utf-8"?>
 <p:properties xmlns:p="http://schemas.microsoft.com/office/2006/metadata/properties" xmlns:xsi="http://www.w3.org/2001/XMLSchema-instance" xmlns:pc="http://schemas.microsoft.com/office/infopath/2007/PartnerControls">
   <documentManagement>
@@ -17896,14 +17870,6 @@
 </file>
 
 <file path=customXml/itemProps1.xml><?xml version="1.0" encoding="utf-8"?>
-<ds:datastoreItem xmlns:ds="http://schemas.openxmlformats.org/officeDocument/2006/customXml" ds:itemID="{B579702B-25C7-40D7-9E29-7686B11A9660}">
-  <ds:schemaRefs>
-    <ds:schemaRef ds:uri="http://schemas.microsoft.com/sharepoint/v3/contenttype/forms"/>
-  </ds:schemaRefs>
-</ds:datastoreItem>
-</file>
-
-<file path=customXml/itemProps2.xml><?xml version="1.0" encoding="utf-8"?>
 <ds:datastoreItem xmlns:ds="http://schemas.openxmlformats.org/officeDocument/2006/customXml" ds:itemID="{A7C0B241-13E5-418D-8920-D23491E2D2C0}">
   <ds:schemaRefs>
     <ds:schemaRef ds:uri="http://schemas.microsoft.com/office/2006/metadata/contentType"/>
@@ -17922,6 +17888,14 @@
 </ds:datastoreItem>
 </file>
 
+<file path=customXml/itemProps2.xml><?xml version="1.0" encoding="utf-8"?>
+<ds:datastoreItem xmlns:ds="http://schemas.openxmlformats.org/officeDocument/2006/customXml" ds:itemID="{B579702B-25C7-40D7-9E29-7686B11A9660}">
+  <ds:schemaRefs>
+    <ds:schemaRef ds:uri="http://schemas.microsoft.com/sharepoint/v3/contenttype/forms"/>
+  </ds:schemaRefs>
+</ds:datastoreItem>
+</file>
+
 <file path=customXml/itemProps3.xml><?xml version="1.0" encoding="utf-8"?>
 <ds:datastoreItem xmlns:ds="http://schemas.openxmlformats.org/officeDocument/2006/customXml" ds:itemID="{E7866CFD-F94E-4AE5-ACEA-86FEC0F48A10}">
   <ds:schemaRefs>
